--- a/발표자료/3팀_프로젝트계획.pptx
+++ b/발표자료/3팀_프로젝트계획.pptx
@@ -113,6 +113,11 @@
       </a:defRPr>
     </a:lvl9pPr>
   </p:defaultTextStyle>
+  <p:extLst>
+    <p:ext uri="{EFAFB233-063F-42B5-8137-9DF3F51BA10A}">
+      <p15:sldGuideLst xmlns:p15="http://schemas.microsoft.com/office/powerpoint/2012/main"/>
+    </p:ext>
+  </p:extLst>
 </p:presentation>
 </file>
 
@@ -198,7 +203,7 @@
           <a:p>
             <a:fld id="{BDCC2D74-6B48-49B6-886C-368B0B67117F}" type="datetimeFigureOut">
               <a:rPr lang="ko-KR" altLang="en-US" smtClean="0"/>
-              <a:t>2024-09-06</a:t>
+              <a:t>2024-09-07</a:t>
             </a:fld>
             <a:endParaRPr lang="ko-KR" altLang="en-US"/>
           </a:p>
@@ -1200,7 +1205,7 @@
           <a:p>
             <a:fld id="{EA55CC05-B3A9-4C95-A65E-BE15E1D1484A}" type="datetimeFigureOut">
               <a:rPr lang="ko-KR" altLang="en-US" smtClean="0"/>
-              <a:t>2024-09-05</a:t>
+              <a:t>2024-09-07</a:t>
             </a:fld>
             <a:endParaRPr lang="ko-KR" altLang="en-US"/>
           </a:p>
@@ -1398,7 +1403,7 @@
           <a:p>
             <a:fld id="{EA55CC05-B3A9-4C95-A65E-BE15E1D1484A}" type="datetimeFigureOut">
               <a:rPr lang="ko-KR" altLang="en-US" smtClean="0"/>
-              <a:t>2024-09-05</a:t>
+              <a:t>2024-09-07</a:t>
             </a:fld>
             <a:endParaRPr lang="ko-KR" altLang="en-US"/>
           </a:p>
@@ -1606,7 +1611,7 @@
           <a:p>
             <a:fld id="{EA55CC05-B3A9-4C95-A65E-BE15E1D1484A}" type="datetimeFigureOut">
               <a:rPr lang="ko-KR" altLang="en-US" smtClean="0"/>
-              <a:t>2024-09-05</a:t>
+              <a:t>2024-09-07</a:t>
             </a:fld>
             <a:endParaRPr lang="ko-KR" altLang="en-US"/>
           </a:p>
@@ -1804,7 +1809,7 @@
           <a:p>
             <a:fld id="{EA55CC05-B3A9-4C95-A65E-BE15E1D1484A}" type="datetimeFigureOut">
               <a:rPr lang="ko-KR" altLang="en-US" smtClean="0"/>
-              <a:t>2024-09-05</a:t>
+              <a:t>2024-09-07</a:t>
             </a:fld>
             <a:endParaRPr lang="ko-KR" altLang="en-US"/>
           </a:p>
@@ -2079,7 +2084,7 @@
           <a:p>
             <a:fld id="{EA55CC05-B3A9-4C95-A65E-BE15E1D1484A}" type="datetimeFigureOut">
               <a:rPr lang="ko-KR" altLang="en-US" smtClean="0"/>
-              <a:t>2024-09-05</a:t>
+              <a:t>2024-09-07</a:t>
             </a:fld>
             <a:endParaRPr lang="ko-KR" altLang="en-US"/>
           </a:p>
@@ -2344,7 +2349,7 @@
           <a:p>
             <a:fld id="{EA55CC05-B3A9-4C95-A65E-BE15E1D1484A}" type="datetimeFigureOut">
               <a:rPr lang="ko-KR" altLang="en-US" smtClean="0"/>
-              <a:t>2024-09-05</a:t>
+              <a:t>2024-09-07</a:t>
             </a:fld>
             <a:endParaRPr lang="ko-KR" altLang="en-US"/>
           </a:p>
@@ -2756,7 +2761,7 @@
           <a:p>
             <a:fld id="{EA55CC05-B3A9-4C95-A65E-BE15E1D1484A}" type="datetimeFigureOut">
               <a:rPr lang="ko-KR" altLang="en-US" smtClean="0"/>
-              <a:t>2024-09-05</a:t>
+              <a:t>2024-09-07</a:t>
             </a:fld>
             <a:endParaRPr lang="ko-KR" altLang="en-US"/>
           </a:p>
@@ -2897,7 +2902,7 @@
           <a:p>
             <a:fld id="{EA55CC05-B3A9-4C95-A65E-BE15E1D1484A}" type="datetimeFigureOut">
               <a:rPr lang="ko-KR" altLang="en-US" smtClean="0"/>
-              <a:t>2024-09-05</a:t>
+              <a:t>2024-09-07</a:t>
             </a:fld>
             <a:endParaRPr lang="ko-KR" altLang="en-US"/>
           </a:p>
@@ -3010,7 +3015,7 @@
           <a:p>
             <a:fld id="{EA55CC05-B3A9-4C95-A65E-BE15E1D1484A}" type="datetimeFigureOut">
               <a:rPr lang="ko-KR" altLang="en-US" smtClean="0"/>
-              <a:t>2024-09-05</a:t>
+              <a:t>2024-09-07</a:t>
             </a:fld>
             <a:endParaRPr lang="ko-KR" altLang="en-US"/>
           </a:p>
@@ -3321,7 +3326,7 @@
           <a:p>
             <a:fld id="{EA55CC05-B3A9-4C95-A65E-BE15E1D1484A}" type="datetimeFigureOut">
               <a:rPr lang="ko-KR" altLang="en-US" smtClean="0"/>
-              <a:t>2024-09-05</a:t>
+              <a:t>2024-09-07</a:t>
             </a:fld>
             <a:endParaRPr lang="ko-KR" altLang="en-US"/>
           </a:p>
@@ -3609,7 +3614,7 @@
           <a:p>
             <a:fld id="{EA55CC05-B3A9-4C95-A65E-BE15E1D1484A}" type="datetimeFigureOut">
               <a:rPr lang="ko-KR" altLang="en-US" smtClean="0"/>
-              <a:t>2024-09-05</a:t>
+              <a:t>2024-09-07</a:t>
             </a:fld>
             <a:endParaRPr lang="ko-KR" altLang="en-US"/>
           </a:p>
@@ -3850,7 +3855,7 @@
           <a:p>
             <a:fld id="{EA55CC05-B3A9-4C95-A65E-BE15E1D1484A}" type="datetimeFigureOut">
               <a:rPr lang="ko-KR" altLang="en-US" smtClean="0"/>
-              <a:t>2024-09-05</a:t>
+              <a:t>2024-09-07</a:t>
             </a:fld>
             <a:endParaRPr lang="ko-KR" altLang="en-US"/>
           </a:p>
@@ -4341,8 +4346,8 @@
         </p:nvSpPr>
         <p:spPr>
           <a:xfrm>
-            <a:off x="481243" y="2407074"/>
-            <a:ext cx="11220276" cy="3567836"/>
+            <a:off x="481243" y="2129983"/>
+            <a:ext cx="11220276" cy="3891002"/>
           </a:xfrm>
           <a:prstGeom prst="rect">
             <a:avLst/>
@@ -4420,6 +4425,24 @@
               </a:lnSpc>
             </a:pPr>
             <a:endParaRPr lang="en-US" altLang="ko-KR" dirty="0">
+              <a:ln>
+                <a:solidFill>
+                  <a:srgbClr val="4682B4">
+                    <a:alpha val="0"/>
+                  </a:srgbClr>
+                </a:solidFill>
+              </a:ln>
+              <a:latin typeface="한컴 울주 천전리 각석체" panose="020B0503000000000000" pitchFamily="50" charset="-127"/>
+              <a:ea typeface="한컴 울주 천전리 각석체" panose="020B0503000000000000" pitchFamily="50" charset="-127"/>
+            </a:endParaRPr>
+          </a:p>
+          <a:p>
+            <a:pPr algn="ctr">
+              <a:lnSpc>
+                <a:spcPct val="150000"/>
+              </a:lnSpc>
+            </a:pPr>
+            <a:endParaRPr lang="en-US" altLang="ko-KR" sz="1400" dirty="0">
               <a:ln>
                 <a:solidFill>
                   <a:srgbClr val="4682B4">
@@ -8128,10 +8151,10 @@
       </p:sp>
       <p:sp>
         <p:nvSpPr>
-          <p:cNvPr id="4" name="TextBox 3">
-            <a:extLst>
-              <a:ext uri="{FF2B5EF4-FFF2-40B4-BE49-F238E27FC236}">
-                <a16:creationId xmlns:a16="http://schemas.microsoft.com/office/drawing/2014/main" id="{E0FAA3FD-0BE1-55AA-B32F-219EEE5ED1D2}"/>
+          <p:cNvPr id="8" name="TextBox 7">
+            <a:extLst>
+              <a:ext uri="{FF2B5EF4-FFF2-40B4-BE49-F238E27FC236}">
+                <a16:creationId xmlns:a16="http://schemas.microsoft.com/office/drawing/2014/main" id="{86667CB7-9A03-688B-C70C-7A33E2F79689}"/>
               </a:ext>
             </a:extLst>
           </p:cNvPr>
@@ -8140,406 +8163,7 @@
         </p:nvSpPr>
         <p:spPr>
           <a:xfrm>
-            <a:off x="1123965" y="4820358"/>
-            <a:ext cx="9075849" cy="1815882"/>
-          </a:xfrm>
-          <a:prstGeom prst="rect">
-            <a:avLst/>
-          </a:prstGeom>
-          <a:noFill/>
-        </p:spPr>
-        <p:txBody>
-          <a:bodyPr wrap="square" rtlCol="0">
-            <a:spAutoFit/>
-          </a:bodyPr>
-          <a:lstStyle/>
-          <a:p>
-            <a:pPr marL="342900" indent="-342900">
-              <a:lnSpc>
-                <a:spcPct val="120000"/>
-              </a:lnSpc>
-              <a:buFont typeface="+mj-lt"/>
-              <a:buAutoNum type="arabicPeriod"/>
-            </a:pPr>
-            <a:r>
-              <a:rPr lang="ko-KR" altLang="en-US" sz="1600" spc="-150" dirty="0">
-                <a:ln>
-                  <a:solidFill>
-                    <a:srgbClr val="4682B4">
-                      <a:alpha val="0"/>
-                    </a:srgbClr>
-                  </a:solidFill>
-                </a:ln>
-                <a:latin typeface="나눔고딕" panose="020D0604000000000000" pitchFamily="50" charset="-127"/>
-                <a:ea typeface="나눔고딕" panose="020D0604000000000000" pitchFamily="50" charset="-127"/>
-              </a:rPr>
-              <a:t>계획서 작성</a:t>
-            </a:r>
-            <a:r>
-              <a:rPr lang="en-US" altLang="ko-KR" sz="1600" spc="-150" dirty="0">
-                <a:ln>
-                  <a:solidFill>
-                    <a:srgbClr val="4682B4">
-                      <a:alpha val="0"/>
-                    </a:srgbClr>
-                  </a:solidFill>
-                </a:ln>
-                <a:latin typeface="나눔고딕" panose="020D0604000000000000" pitchFamily="50" charset="-127"/>
-                <a:ea typeface="나눔고딕" panose="020D0604000000000000" pitchFamily="50" charset="-127"/>
-              </a:rPr>
-              <a:t>:	 	09-02 ~ 09-15(2</a:t>
-            </a:r>
-            <a:r>
-              <a:rPr lang="ko-KR" altLang="en-US" sz="1600" spc="-150" dirty="0">
-                <a:ln>
-                  <a:solidFill>
-                    <a:srgbClr val="4682B4">
-                      <a:alpha val="0"/>
-                    </a:srgbClr>
-                  </a:solidFill>
-                </a:ln>
-                <a:latin typeface="나눔고딕" panose="020D0604000000000000" pitchFamily="50" charset="-127"/>
-                <a:ea typeface="나눔고딕" panose="020D0604000000000000" pitchFamily="50" charset="-127"/>
-              </a:rPr>
-              <a:t>주</a:t>
-            </a:r>
-            <a:r>
-              <a:rPr lang="en-US" altLang="ko-KR" sz="1600" spc="-150" dirty="0">
-                <a:ln>
-                  <a:solidFill>
-                    <a:srgbClr val="4682B4">
-                      <a:alpha val="0"/>
-                    </a:srgbClr>
-                  </a:solidFill>
-                </a:ln>
-                <a:latin typeface="나눔고딕" panose="020D0604000000000000" pitchFamily="50" charset="-127"/>
-                <a:ea typeface="나눔고딕" panose="020D0604000000000000" pitchFamily="50" charset="-127"/>
-              </a:rPr>
-              <a:t>)</a:t>
-            </a:r>
-          </a:p>
-          <a:p>
-            <a:pPr marL="342900" indent="-342900">
-              <a:lnSpc>
-                <a:spcPct val="120000"/>
-              </a:lnSpc>
-              <a:buFont typeface="+mj-lt"/>
-              <a:buAutoNum type="arabicPeriod"/>
-            </a:pPr>
-            <a:r>
-              <a:rPr lang="ko-KR" altLang="en-US" sz="1600" spc="-150" dirty="0">
-                <a:ln>
-                  <a:solidFill>
-                    <a:srgbClr val="4682B4">
-                      <a:alpha val="0"/>
-                    </a:srgbClr>
-                  </a:solidFill>
-                </a:ln>
-                <a:latin typeface="나눔고딕" panose="020D0604000000000000" pitchFamily="50" charset="-127"/>
-                <a:ea typeface="나눔고딕" panose="020D0604000000000000" pitchFamily="50" charset="-127"/>
-              </a:rPr>
-              <a:t>요구 분석</a:t>
-            </a:r>
-            <a:r>
-              <a:rPr lang="en-US" altLang="ko-KR" sz="1600" spc="-150" dirty="0">
-                <a:ln>
-                  <a:solidFill>
-                    <a:srgbClr val="4682B4">
-                      <a:alpha val="0"/>
-                    </a:srgbClr>
-                  </a:solidFill>
-                </a:ln>
-                <a:latin typeface="나눔고딕" panose="020D0604000000000000" pitchFamily="50" charset="-127"/>
-                <a:ea typeface="나눔고딕" panose="020D0604000000000000" pitchFamily="50" charset="-127"/>
-              </a:rPr>
-              <a:t>: 		09-16 ~ 09-23(1</a:t>
-            </a:r>
-            <a:r>
-              <a:rPr lang="ko-KR" altLang="en-US" sz="1600" spc="-150" dirty="0">
-                <a:ln>
-                  <a:solidFill>
-                    <a:srgbClr val="4682B4">
-                      <a:alpha val="0"/>
-                    </a:srgbClr>
-                  </a:solidFill>
-                </a:ln>
-                <a:latin typeface="나눔고딕" panose="020D0604000000000000" pitchFamily="50" charset="-127"/>
-                <a:ea typeface="나눔고딕" panose="020D0604000000000000" pitchFamily="50" charset="-127"/>
-              </a:rPr>
-              <a:t>주</a:t>
-            </a:r>
-            <a:r>
-              <a:rPr lang="en-US" altLang="ko-KR" sz="1600" spc="-150" dirty="0">
-                <a:ln>
-                  <a:solidFill>
-                    <a:srgbClr val="4682B4">
-                      <a:alpha val="0"/>
-                    </a:srgbClr>
-                  </a:solidFill>
-                </a:ln>
-                <a:latin typeface="나눔고딕" panose="020D0604000000000000" pitchFamily="50" charset="-127"/>
-                <a:ea typeface="나눔고딕" panose="020D0604000000000000" pitchFamily="50" charset="-127"/>
-              </a:rPr>
-              <a:t>)</a:t>
-            </a:r>
-          </a:p>
-          <a:p>
-            <a:pPr marL="342900" indent="-342900">
-              <a:lnSpc>
-                <a:spcPct val="120000"/>
-              </a:lnSpc>
-              <a:buFont typeface="+mj-lt"/>
-              <a:buAutoNum type="arabicPeriod"/>
-            </a:pPr>
-            <a:r>
-              <a:rPr lang="ko-KR" altLang="en-US" sz="1600" spc="-150" dirty="0">
-                <a:ln>
-                  <a:solidFill>
-                    <a:srgbClr val="4682B4">
-                      <a:alpha val="0"/>
-                    </a:srgbClr>
-                  </a:solidFill>
-                </a:ln>
-                <a:latin typeface="나눔고딕" panose="020D0604000000000000" pitchFamily="50" charset="-127"/>
-                <a:ea typeface="나눔고딕" panose="020D0604000000000000" pitchFamily="50" charset="-127"/>
-              </a:rPr>
-              <a:t>설계</a:t>
-            </a:r>
-            <a:r>
-              <a:rPr lang="en-US" altLang="ko-KR" sz="1600" spc="-150" dirty="0">
-                <a:ln>
-                  <a:solidFill>
-                    <a:srgbClr val="4682B4">
-                      <a:alpha val="0"/>
-                    </a:srgbClr>
-                  </a:solidFill>
-                </a:ln>
-                <a:latin typeface="나눔고딕" panose="020D0604000000000000" pitchFamily="50" charset="-127"/>
-                <a:ea typeface="나눔고딕" panose="020D0604000000000000" pitchFamily="50" charset="-127"/>
-              </a:rPr>
-              <a:t>:			09-24 ~ 10-01(1</a:t>
-            </a:r>
-            <a:r>
-              <a:rPr lang="ko-KR" altLang="en-US" sz="1600" spc="-150" dirty="0">
-                <a:ln>
-                  <a:solidFill>
-                    <a:srgbClr val="4682B4">
-                      <a:alpha val="0"/>
-                    </a:srgbClr>
-                  </a:solidFill>
-                </a:ln>
-                <a:latin typeface="나눔고딕" panose="020D0604000000000000" pitchFamily="50" charset="-127"/>
-                <a:ea typeface="나눔고딕" panose="020D0604000000000000" pitchFamily="50" charset="-127"/>
-              </a:rPr>
-              <a:t>주</a:t>
-            </a:r>
-            <a:r>
-              <a:rPr lang="en-US" altLang="ko-KR" sz="1600" spc="-150" dirty="0">
-                <a:ln>
-                  <a:solidFill>
-                    <a:srgbClr val="4682B4">
-                      <a:alpha val="0"/>
-                    </a:srgbClr>
-                  </a:solidFill>
-                </a:ln>
-                <a:latin typeface="나눔고딕" panose="020D0604000000000000" pitchFamily="50" charset="-127"/>
-                <a:ea typeface="나눔고딕" panose="020D0604000000000000" pitchFamily="50" charset="-127"/>
-              </a:rPr>
-              <a:t>)</a:t>
-            </a:r>
-          </a:p>
-          <a:p>
-            <a:pPr marL="342900" indent="-342900">
-              <a:lnSpc>
-                <a:spcPct val="120000"/>
-              </a:lnSpc>
-              <a:buFont typeface="+mj-lt"/>
-              <a:buAutoNum type="arabicPeriod"/>
-            </a:pPr>
-            <a:r>
-              <a:rPr lang="ko-KR" altLang="en-US" sz="1600" spc="-150" dirty="0">
-                <a:ln>
-                  <a:solidFill>
-                    <a:srgbClr val="4682B4">
-                      <a:alpha val="0"/>
-                    </a:srgbClr>
-                  </a:solidFill>
-                </a:ln>
-                <a:latin typeface="나눔고딕" panose="020D0604000000000000" pitchFamily="50" charset="-127"/>
-                <a:ea typeface="나눔고딕" panose="020D0604000000000000" pitchFamily="50" charset="-127"/>
-              </a:rPr>
-              <a:t>구현</a:t>
-            </a:r>
-            <a:r>
-              <a:rPr lang="en-US" altLang="ko-KR" sz="1600" spc="-150" dirty="0">
-                <a:ln>
-                  <a:solidFill>
-                    <a:srgbClr val="4682B4">
-                      <a:alpha val="0"/>
-                    </a:srgbClr>
-                  </a:solidFill>
-                </a:ln>
-                <a:latin typeface="나눔고딕" panose="020D0604000000000000" pitchFamily="50" charset="-127"/>
-                <a:ea typeface="나눔고딕" panose="020D0604000000000000" pitchFamily="50" charset="-127"/>
-              </a:rPr>
-              <a:t>: 			10-02 ~ 11-06(5</a:t>
-            </a:r>
-            <a:r>
-              <a:rPr lang="ko-KR" altLang="en-US" sz="1600" spc="-150" dirty="0">
-                <a:ln>
-                  <a:solidFill>
-                    <a:srgbClr val="4682B4">
-                      <a:alpha val="0"/>
-                    </a:srgbClr>
-                  </a:solidFill>
-                </a:ln>
-                <a:latin typeface="나눔고딕" panose="020D0604000000000000" pitchFamily="50" charset="-127"/>
-                <a:ea typeface="나눔고딕" panose="020D0604000000000000" pitchFamily="50" charset="-127"/>
-              </a:rPr>
-              <a:t>주</a:t>
-            </a:r>
-            <a:r>
-              <a:rPr lang="en-US" altLang="ko-KR" sz="1600" spc="-150" dirty="0">
-                <a:ln>
-                  <a:solidFill>
-                    <a:srgbClr val="4682B4">
-                      <a:alpha val="0"/>
-                    </a:srgbClr>
-                  </a:solidFill>
-                </a:ln>
-                <a:latin typeface="나눔고딕" panose="020D0604000000000000" pitchFamily="50" charset="-127"/>
-                <a:ea typeface="나눔고딕" panose="020D0604000000000000" pitchFamily="50" charset="-127"/>
-              </a:rPr>
-              <a:t>)</a:t>
-            </a:r>
-          </a:p>
-          <a:p>
-            <a:pPr marL="342900" indent="-342900">
-              <a:lnSpc>
-                <a:spcPct val="120000"/>
-              </a:lnSpc>
-              <a:buFont typeface="+mj-lt"/>
-              <a:buAutoNum type="arabicPeriod"/>
-            </a:pPr>
-            <a:r>
-              <a:rPr lang="ko-KR" altLang="en-US" sz="1600" spc="-150" dirty="0">
-                <a:ln>
-                  <a:solidFill>
-                    <a:srgbClr val="4682B4">
-                      <a:alpha val="0"/>
-                    </a:srgbClr>
-                  </a:solidFill>
-                </a:ln>
-                <a:latin typeface="나눔고딕" panose="020D0604000000000000" pitchFamily="50" charset="-127"/>
-                <a:ea typeface="나눔고딕" panose="020D0604000000000000" pitchFamily="50" charset="-127"/>
-              </a:rPr>
-              <a:t>테스트 및 기술백서 작성</a:t>
-            </a:r>
-            <a:r>
-              <a:rPr lang="en-US" altLang="ko-KR" sz="1600" spc="-150" dirty="0">
-                <a:ln>
-                  <a:solidFill>
-                    <a:srgbClr val="4682B4">
-                      <a:alpha val="0"/>
-                    </a:srgbClr>
-                  </a:solidFill>
-                </a:ln>
-                <a:latin typeface="나눔고딕" panose="020D0604000000000000" pitchFamily="50" charset="-127"/>
-                <a:ea typeface="나눔고딕" panose="020D0604000000000000" pitchFamily="50" charset="-127"/>
-              </a:rPr>
-              <a:t>: 	11-07 ~ 11-28(3</a:t>
-            </a:r>
-            <a:r>
-              <a:rPr lang="ko-KR" altLang="en-US" sz="1600" spc="-150" dirty="0">
-                <a:ln>
-                  <a:solidFill>
-                    <a:srgbClr val="4682B4">
-                      <a:alpha val="0"/>
-                    </a:srgbClr>
-                  </a:solidFill>
-                </a:ln>
-                <a:latin typeface="나눔고딕" panose="020D0604000000000000" pitchFamily="50" charset="-127"/>
-                <a:ea typeface="나눔고딕" panose="020D0604000000000000" pitchFamily="50" charset="-127"/>
-              </a:rPr>
-              <a:t>주</a:t>
-            </a:r>
-            <a:r>
-              <a:rPr lang="en-US" altLang="ko-KR" sz="1600" spc="-150" dirty="0">
-                <a:ln>
-                  <a:solidFill>
-                    <a:srgbClr val="4682B4">
-                      <a:alpha val="0"/>
-                    </a:srgbClr>
-                  </a:solidFill>
-                </a:ln>
-                <a:latin typeface="나눔고딕" panose="020D0604000000000000" pitchFamily="50" charset="-127"/>
-                <a:ea typeface="나눔고딕" panose="020D0604000000000000" pitchFamily="50" charset="-127"/>
-              </a:rPr>
-              <a:t>)</a:t>
-            </a:r>
-          </a:p>
-          <a:p>
-            <a:endParaRPr lang="ko-KR" altLang="en-US" sz="1600" dirty="0"/>
-          </a:p>
-        </p:txBody>
-      </p:sp>
-      <p:sp>
-        <p:nvSpPr>
-          <p:cNvPr id="7" name="TextBox 6">
-            <a:extLst>
-              <a:ext uri="{FF2B5EF4-FFF2-40B4-BE49-F238E27FC236}">
-                <a16:creationId xmlns:a16="http://schemas.microsoft.com/office/drawing/2014/main" id="{347FACE3-0CB6-235A-38F8-7CAC7700B85C}"/>
-              </a:ext>
-            </a:extLst>
-          </p:cNvPr>
-          <p:cNvSpPr txBox="1"/>
-          <p:nvPr/>
-        </p:nvSpPr>
-        <p:spPr>
-          <a:xfrm>
-            <a:off x="412877" y="4351798"/>
-            <a:ext cx="2632364" cy="400110"/>
-          </a:xfrm>
-          <a:prstGeom prst="rect">
-            <a:avLst/>
-          </a:prstGeom>
-          <a:noFill/>
-        </p:spPr>
-        <p:txBody>
-          <a:bodyPr wrap="square" rtlCol="0">
-            <a:spAutoFit/>
-          </a:bodyPr>
-          <a:lstStyle/>
-          <a:p>
-            <a:pPr algn="ctr"/>
-            <a:r>
-              <a:rPr lang="ko-KR" altLang="en-US" sz="2000" b="1" dirty="0">
-                <a:solidFill>
-                  <a:srgbClr val="000080"/>
-                </a:solidFill>
-                <a:latin typeface="한컴 울주 천전리 각석체" panose="020B0503000000000000" pitchFamily="50" charset="-127"/>
-                <a:ea typeface="한컴 울주 천전리 각석체" panose="020B0503000000000000" pitchFamily="50" charset="-127"/>
-              </a:rPr>
-              <a:t>개발 일정</a:t>
-            </a:r>
-          </a:p>
-        </p:txBody>
-      </p:sp>
-      <p:sp>
-        <p:nvSpPr>
-          <p:cNvPr id="8" name="TextBox 7">
-            <a:extLst>
-              <a:ext uri="{FF2B5EF4-FFF2-40B4-BE49-F238E27FC236}">
-                <a16:creationId xmlns:a16="http://schemas.microsoft.com/office/drawing/2014/main" id="{86667CB7-9A03-688B-C70C-7A33E2F79689}"/>
-              </a:ext>
-            </a:extLst>
-          </p:cNvPr>
-          <p:cNvSpPr txBox="1"/>
-          <p:nvPr/>
-        </p:nvSpPr>
-        <p:spPr>
-          <a:xfrm>
-            <a:off x="5376995" y="4420248"/>
+            <a:off x="6799848" y="1870113"/>
             <a:ext cx="2632364" cy="400110"/>
           </a:xfrm>
           <a:prstGeom prst="rect">
@@ -8581,8 +8205,8 @@
         </p:nvSpPr>
         <p:spPr>
           <a:xfrm>
-            <a:off x="6082146" y="4829594"/>
-            <a:ext cx="4445560" cy="953210"/>
+            <a:off x="7372795" y="2315633"/>
+            <a:ext cx="4445560" cy="1156342"/>
           </a:xfrm>
           <a:prstGeom prst="rect">
             <a:avLst/>
@@ -8597,7 +8221,7 @@
           <a:p>
             <a:pPr marL="285750" indent="-285750">
               <a:lnSpc>
-                <a:spcPct val="120000"/>
+                <a:spcPct val="150000"/>
               </a:lnSpc>
               <a:buFont typeface="Arial" panose="020B0604020202020204" pitchFamily="34" charset="0"/>
               <a:buChar char="•"/>
@@ -8648,7 +8272,7 @@
           <a:p>
             <a:pPr marL="285750" indent="-285750">
               <a:lnSpc>
-                <a:spcPct val="120000"/>
+                <a:spcPct val="150000"/>
               </a:lnSpc>
               <a:buFont typeface="Arial" panose="020B0604020202020204" pitchFamily="34" charset="0"/>
               <a:buChar char="•"/>
@@ -8671,7 +8295,7 @@
           <a:p>
             <a:pPr marL="285750" indent="-285750">
               <a:lnSpc>
-                <a:spcPct val="120000"/>
+                <a:spcPct val="150000"/>
               </a:lnSpc>
               <a:buFont typeface="Arial" panose="020B0604020202020204" pitchFamily="34" charset="0"/>
               <a:buChar char="•"/>
@@ -8764,12 +8388,54 @@
           </a:p>
         </p:txBody>
       </p:sp>
+      <p:sp>
+        <p:nvSpPr>
+          <p:cNvPr id="10" name="TextBox 9">
+            <a:extLst>
+              <a:ext uri="{FF2B5EF4-FFF2-40B4-BE49-F238E27FC236}">
+                <a16:creationId xmlns:a16="http://schemas.microsoft.com/office/drawing/2014/main" id="{5DBB5C3F-4F1E-8AF0-0FD0-DF8011DAB277}"/>
+              </a:ext>
+            </a:extLst>
+          </p:cNvPr>
+          <p:cNvSpPr txBox="1"/>
+          <p:nvPr/>
+        </p:nvSpPr>
+        <p:spPr>
+          <a:xfrm>
+            <a:off x="6868" y="1862170"/>
+            <a:ext cx="2632364" cy="400110"/>
+          </a:xfrm>
+          <a:prstGeom prst="rect">
+            <a:avLst/>
+          </a:prstGeom>
+          <a:noFill/>
+        </p:spPr>
+        <p:txBody>
+          <a:bodyPr wrap="square" rtlCol="0">
+            <a:spAutoFit/>
+          </a:bodyPr>
+          <a:lstStyle/>
+          <a:p>
+            <a:pPr algn="ctr"/>
+            <a:r>
+              <a:rPr lang="ko-KR" altLang="en-US" sz="2000" b="1" dirty="0">
+                <a:solidFill>
+                  <a:srgbClr val="000080"/>
+                </a:solidFill>
+                <a:latin typeface="한컴 울주 천전리 각석체" panose="020B0503000000000000" pitchFamily="50" charset="-127"/>
+                <a:ea typeface="한컴 울주 천전리 각석체" panose="020B0503000000000000" pitchFamily="50" charset="-127"/>
+              </a:rPr>
+              <a:t>개발 일정</a:t>
+            </a:r>
+          </a:p>
+        </p:txBody>
+      </p:sp>
       <p:pic>
         <p:nvPicPr>
-          <p:cNvPr id="11" name="그림 10">
-            <a:extLst>
-              <a:ext uri="{FF2B5EF4-FFF2-40B4-BE49-F238E27FC236}">
-                <a16:creationId xmlns:a16="http://schemas.microsoft.com/office/drawing/2014/main" id="{A094508E-97B5-7974-5325-AAE0E8A828A7}"/>
+          <p:cNvPr id="17" name="그림 16" descr="텍스트, 스크린샷, 폰트, 번호이(가) 표시된 사진&#10;&#10;자동 생성된 설명">
+            <a:extLst>
+              <a:ext uri="{FF2B5EF4-FFF2-40B4-BE49-F238E27FC236}">
+                <a16:creationId xmlns:a16="http://schemas.microsoft.com/office/drawing/2014/main" id="{D8FF5239-9DDB-48ED-FC9E-24D157FE6E23}"/>
               </a:ext>
             </a:extLst>
           </p:cNvPr>
@@ -8779,22 +8445,30 @@
           <p:nvPr/>
         </p:nvPicPr>
         <p:blipFill>
-          <a:blip r:embed="rId3"/>
+          <a:blip r:embed="rId3">
+            <a:extLst>
+              <a:ext uri="{28A0092B-C50C-407E-A947-70E740481C1C}">
+                <a14:useLocalDpi xmlns:a14="http://schemas.microsoft.com/office/drawing/2010/main" val="0"/>
+              </a:ext>
+            </a:extLst>
+          </a:blip>
           <a:stretch>
             <a:fillRect/>
           </a:stretch>
         </p:blipFill>
         <p:spPr>
           <a:xfrm>
-            <a:off x="1096256" y="1620135"/>
-            <a:ext cx="9075850" cy="2613543"/>
+            <a:off x="738052" y="2401456"/>
+            <a:ext cx="6482771" cy="3530092"/>
           </a:xfrm>
           <a:prstGeom prst="rect">
             <a:avLst/>
           </a:prstGeom>
-          <a:ln w="9525">
+          <a:ln>
             <a:solidFill>
-              <a:schemeClr val="tx1"/>
+              <a:schemeClr val="bg1">
+                <a:lumMod val="85000"/>
+              </a:schemeClr>
             </a:solidFill>
           </a:ln>
         </p:spPr>
@@ -8947,7 +8621,7 @@
         <p:spPr>
           <a:xfrm>
             <a:off x="1450111" y="640562"/>
-            <a:ext cx="5366325" cy="523220"/>
+            <a:ext cx="8275780" cy="523220"/>
           </a:xfrm>
           <a:prstGeom prst="rect">
             <a:avLst/>
